--- a/lesson14/Javascript and jQuery.pptx
+++ b/lesson14/Javascript and jQuery.pptx
@@ -3129,6 +3129,13 @@
   <p:clrMapOvr>
     <a:masterClrMapping/>
   </p:clrMapOvr>
+  <p:timing>
+    <p:tnLst>
+      <p:par>
+        <p:cTn id="1" dur="indefinite" restart="never" nodeType="tmRoot"/>
+      </p:par>
+    </p:tnLst>
+  </p:timing>
 </p:sld>
 </file>
 
@@ -3241,6 +3248,13 @@
   <p:clrMapOvr>
     <a:masterClrMapping/>
   </p:clrMapOvr>
+  <p:timing>
+    <p:tnLst>
+      <p:par>
+        <p:cTn id="1" dur="indefinite" restart="never" nodeType="tmRoot"/>
+      </p:par>
+    </p:tnLst>
+  </p:timing>
 </p:sld>
 </file>
 
@@ -3331,17 +3345,14 @@
             </a:r>
             <a:r>
               <a:rPr lang="en-US" altLang="zh-CN" dirty="0" smtClean="0"/>
-              <a:t>)</a:t>
-            </a:r>
-          </a:p>
-          <a:p>
-            <a:r>
-              <a:rPr lang="zh-CN" altLang="en-US" dirty="0" smtClean="0"/>
-              <a:t>通</a:t>
-            </a:r>
-            <a:r>
-              <a:rPr lang="zh-CN" altLang="en-US" dirty="0" smtClean="0"/>
-              <a:t>过</a:t>
+              <a:t>”)</a:t>
+            </a:r>
+            <a:endParaRPr lang="en-US" altLang="zh-CN" dirty="0" smtClean="0"/>
+          </a:p>
+          <a:p>
+            <a:r>
+              <a:rPr lang="zh-CN" altLang="en-US" dirty="0" smtClean="0"/>
+              <a:t>通过</a:t>
             </a:r>
             <a:r>
               <a:rPr lang="en-US" altLang="zh-CN" dirty="0" smtClean="0"/>
@@ -3356,18 +3367,19 @@
           <a:p>
             <a:pPr lvl="1"/>
             <a:r>
-              <a:rPr lang="en-US" altLang="zh-CN" dirty="0" smtClean="0"/>
-              <a:t>$(“#id)</a:t>
-            </a:r>
-          </a:p>
-          <a:p>
-            <a:r>
-              <a:rPr lang="zh-CN" altLang="en-US" dirty="0" smtClean="0"/>
-              <a:t>其</a:t>
-            </a:r>
-            <a:r>
-              <a:rPr lang="zh-CN" altLang="en-US" dirty="0" smtClean="0"/>
-              <a:t>他</a:t>
+              <a:rPr lang="en-US" altLang="zh-CN" smtClean="0"/>
+              <a:t>$(“#</a:t>
+            </a:r>
+            <a:r>
+              <a:rPr lang="en-US" altLang="zh-CN" smtClean="0"/>
+              <a:t>id”)</a:t>
+            </a:r>
+            <a:endParaRPr lang="en-US" altLang="zh-CN" dirty="0" smtClean="0"/>
+          </a:p>
+          <a:p>
+            <a:r>
+              <a:rPr lang="zh-CN" altLang="en-US" dirty="0" smtClean="0"/>
+              <a:t>其他</a:t>
             </a:r>
             <a:endParaRPr lang="en-US" altLang="zh-CN" dirty="0" smtClean="0"/>
           </a:p>
@@ -3386,6 +3398,13 @@
   <p:clrMapOvr>
     <a:masterClrMapping/>
   </p:clrMapOvr>
+  <p:timing>
+    <p:tnLst>
+      <p:par>
+        <p:cTn id="1" dur="indefinite" restart="never" nodeType="tmRoot"/>
+      </p:par>
+    </p:tnLst>
+  </p:timing>
 </p:sld>
 </file>
 
@@ -3461,11 +3480,7 @@
           <a:p>
             <a:r>
               <a:rPr lang="zh-CN" altLang="en-US" dirty="0" smtClean="0"/>
-              <a:t>读</a:t>
-            </a:r>
-            <a:r>
-              <a:rPr lang="zh-CN" altLang="en-US" dirty="0" smtClean="0"/>
-              <a:t>取</a:t>
+              <a:t>读取</a:t>
             </a:r>
             <a:endParaRPr lang="en-US" altLang="zh-CN" dirty="0" smtClean="0"/>
           </a:p>
@@ -3488,33 +3503,20 @@
             <a:pPr lvl="1"/>
             <a:r>
               <a:rPr lang="en-US" altLang="zh-CN" dirty="0" smtClean="0"/>
-              <a:t>$(“#id</a:t>
-            </a:r>
-            <a:r>
-              <a:rPr lang="en-US" altLang="zh-CN" dirty="0" smtClean="0"/>
-              <a:t>”).text()</a:t>
-            </a:r>
-            <a:endParaRPr lang="en-US" altLang="zh-CN" dirty="0" smtClean="0"/>
-          </a:p>
-          <a:p>
-            <a:pPr lvl="1"/>
-            <a:r>
-              <a:rPr lang="en-US" altLang="zh-CN" dirty="0" smtClean="0"/>
-              <a:t>$(“#id</a:t>
-            </a:r>
-            <a:r>
-              <a:rPr lang="en-US" altLang="zh-CN" dirty="0" smtClean="0"/>
-              <a:t>”).html()</a:t>
-            </a:r>
-          </a:p>
-          <a:p>
-            <a:r>
-              <a:rPr lang="zh-CN" altLang="en-US" dirty="0" smtClean="0"/>
-              <a:t>写</a:t>
-            </a:r>
-            <a:r>
-              <a:rPr lang="zh-CN" altLang="en-US" dirty="0" smtClean="0"/>
-              <a:t>入</a:t>
+              <a:t>$(“#id”).text()</a:t>
+            </a:r>
+          </a:p>
+          <a:p>
+            <a:pPr lvl="1"/>
+            <a:r>
+              <a:rPr lang="en-US" altLang="zh-CN" dirty="0" smtClean="0"/>
+              <a:t>$(“#id”).html()</a:t>
+            </a:r>
+          </a:p>
+          <a:p>
+            <a:r>
+              <a:rPr lang="zh-CN" altLang="en-US" dirty="0" smtClean="0"/>
+              <a:t>写入</a:t>
             </a:r>
             <a:r>
               <a:rPr lang="en-US" altLang="zh-CN" dirty="0" smtClean="0"/>
@@ -3540,29 +3542,19 @@
               <a:rPr lang="en-US" altLang="zh-CN" dirty="0" smtClean="0"/>
               <a:t>(“name”)</a:t>
             </a:r>
-            <a:endParaRPr lang="en-US" altLang="zh-CN" dirty="0" smtClean="0"/>
-          </a:p>
-          <a:p>
-            <a:pPr lvl="1"/>
-            <a:r>
-              <a:rPr lang="en-US" altLang="zh-CN" dirty="0" smtClean="0"/>
-              <a:t>$(“#id”).text</a:t>
-            </a:r>
-            <a:r>
-              <a:rPr lang="en-US" altLang="zh-CN" dirty="0" smtClean="0"/>
-              <a:t>(“hello”)</a:t>
-            </a:r>
-            <a:endParaRPr lang="en-US" altLang="zh-CN" dirty="0" smtClean="0"/>
-          </a:p>
-          <a:p>
-            <a:pPr lvl="1"/>
-            <a:r>
-              <a:rPr lang="en-US" altLang="zh-CN" dirty="0" smtClean="0"/>
-              <a:t>$(“#id”).html</a:t>
-            </a:r>
-            <a:r>
-              <a:rPr lang="en-US" altLang="zh-CN" dirty="0" smtClean="0"/>
-              <a:t>(“&lt;p&gt;hello&lt;/p&gt;”)</a:t>
+          </a:p>
+          <a:p>
+            <a:pPr lvl="1"/>
+            <a:r>
+              <a:rPr lang="en-US" altLang="zh-CN" dirty="0" smtClean="0"/>
+              <a:t>$(“#id”).text(“hello”)</a:t>
+            </a:r>
+          </a:p>
+          <a:p>
+            <a:pPr lvl="1"/>
+            <a:r>
+              <a:rPr lang="en-US" altLang="zh-CN" dirty="0" smtClean="0"/>
+              <a:t>$(“#id”).html(“&lt;p&gt;hello&lt;/p&gt;”)</a:t>
             </a:r>
           </a:p>
           <a:p>
@@ -3571,7 +3563,6 @@
               <a:rPr lang="en-US" altLang="zh-CN" dirty="0" smtClean="0"/>
               <a:t>$(“#id”).append(“&lt;p&gt;hello&lt;/p&gt;”)</a:t>
             </a:r>
-            <a:endParaRPr lang="en-US" altLang="zh-CN" dirty="0" smtClean="0"/>
           </a:p>
           <a:p>
             <a:pPr lvl="1"/>
@@ -3584,6 +3575,13 @@
   <p:clrMapOvr>
     <a:masterClrMapping/>
   </p:clrMapOvr>
+  <p:timing>
+    <p:tnLst>
+      <p:par>
+        <p:cTn id="1" dur="indefinite" restart="never" nodeType="tmRoot"/>
+      </p:par>
+    </p:tnLst>
+  </p:timing>
 </p:sld>
 </file>
 
@@ -3782,21 +3780,13 @@
           <a:p>
             <a:r>
               <a:rPr lang="en-US" altLang="zh-CN" dirty="0" smtClean="0"/>
-              <a:t>http://api.jquery.com/category/effects</a:t>
-            </a:r>
-            <a:r>
-              <a:rPr lang="en-US" altLang="zh-CN" dirty="0" smtClean="0"/>
-              <a:t>/</a:t>
-            </a:r>
-          </a:p>
-          <a:p>
-            <a:r>
-              <a:rPr lang="zh-CN" altLang="en-US" dirty="0" smtClean="0"/>
-              <a:t>一</a:t>
-            </a:r>
-            <a:r>
-              <a:rPr lang="zh-CN" altLang="en-US" dirty="0" smtClean="0"/>
-              <a:t>些效果，动画等</a:t>
+              <a:t>http://api.jquery.com/category/effects/</a:t>
+            </a:r>
+          </a:p>
+          <a:p>
+            <a:r>
+              <a:rPr lang="zh-CN" altLang="en-US" dirty="0" smtClean="0"/>
+              <a:t>一些效果，动画等</a:t>
             </a:r>
             <a:endParaRPr lang="en-US" altLang="zh-CN" dirty="0" smtClean="0"/>
           </a:p>
@@ -3958,11 +3948,7 @@
             <a:pPr lvl="1"/>
             <a:r>
               <a:rPr lang="zh-CN" altLang="en-US" dirty="0" smtClean="0"/>
-              <a:t>每</a:t>
-            </a:r>
-            <a:r>
-              <a:rPr lang="zh-CN" altLang="en-US" dirty="0" smtClean="0"/>
-              <a:t>个属性的</a:t>
+              <a:t>每个属性的</a:t>
             </a:r>
             <a:r>
               <a:rPr lang="en-US" altLang="zh-CN" dirty="0" smtClean="0"/>
@@ -3997,11 +3983,7 @@
           <a:p>
             <a:r>
               <a:rPr lang="zh-CN" altLang="en-US" dirty="0" smtClean="0"/>
-              <a:t>测</a:t>
-            </a:r>
-            <a:r>
-              <a:rPr lang="zh-CN" altLang="en-US" dirty="0" smtClean="0"/>
-              <a:t>试每个方法</a:t>
+              <a:t>测试每个方法</a:t>
             </a:r>
             <a:endParaRPr lang="zh-CN" altLang="en-US" dirty="0"/>
           </a:p>
@@ -4079,11 +4061,7 @@
           <a:p>
             <a:r>
               <a:rPr lang="zh-CN" altLang="en-US" dirty="0" smtClean="0"/>
-              <a:t>要</a:t>
-            </a:r>
-            <a:r>
-              <a:rPr lang="zh-CN" altLang="en-US" dirty="0" smtClean="0"/>
-              <a:t>求</a:t>
+              <a:t>要求</a:t>
             </a:r>
             <a:endParaRPr lang="en-US" altLang="zh-CN" dirty="0" smtClean="0"/>
           </a:p>
@@ -4091,11 +4069,7 @@
             <a:pPr lvl="1"/>
             <a:r>
               <a:rPr lang="zh-CN" altLang="en-US" dirty="0" smtClean="0"/>
-              <a:t>鼠</a:t>
-            </a:r>
-            <a:r>
-              <a:rPr lang="zh-CN" altLang="en-US" dirty="0" smtClean="0"/>
-              <a:t>标悬停在两个</a:t>
+              <a:t>鼠标悬停在两个</a:t>
             </a:r>
             <a:r>
               <a:rPr lang="en-US" altLang="zh-CN" dirty="0" smtClean="0"/>
@@ -4119,11 +4093,7 @@
             <a:pPr lvl="1"/>
             <a:r>
               <a:rPr lang="zh-CN" altLang="en-US" dirty="0" smtClean="0"/>
-              <a:t>点</a:t>
-            </a:r>
-            <a:r>
-              <a:rPr lang="zh-CN" altLang="en-US" dirty="0" smtClean="0"/>
-              <a:t>击</a:t>
+              <a:t>点击</a:t>
             </a:r>
             <a:r>
               <a:rPr lang="en-US" altLang="zh-CN" dirty="0" smtClean="0"/>
@@ -4279,11 +4249,7 @@
           <a:p>
             <a:r>
               <a:rPr lang="zh-CN" altLang="en-US" dirty="0" smtClean="0"/>
-              <a:t>是一</a:t>
-            </a:r>
-            <a:r>
-              <a:rPr lang="zh-CN" altLang="en-US" dirty="0" smtClean="0"/>
-              <a:t>种</a:t>
+              <a:t>是一种</a:t>
             </a:r>
             <a:r>
               <a:rPr lang="en-US" altLang="zh-CN" dirty="0" smtClean="0"/>
@@ -4298,11 +4264,7 @@
           <a:p>
             <a:r>
               <a:rPr lang="zh-CN" altLang="en-US" dirty="0" smtClean="0"/>
-              <a:t>面</a:t>
-            </a:r>
-            <a:r>
-              <a:rPr lang="zh-CN" altLang="en-US" dirty="0" smtClean="0"/>
-              <a:t>向对象和函数式特征</a:t>
+              <a:t>面向对象和函数式特征</a:t>
             </a:r>
             <a:endParaRPr lang="zh-CN" altLang="en-US" dirty="0"/>
           </a:p>
@@ -4313,6 +4275,13 @@
   <p:clrMapOvr>
     <a:masterClrMapping/>
   </p:clrMapOvr>
+  <p:timing>
+    <p:tnLst>
+      <p:par>
+        <p:cTn id="1" dur="indefinite" restart="never" nodeType="tmRoot"/>
+      </p:par>
+    </p:tnLst>
+  </p:timing>
 </p:sld>
 </file>
 
@@ -4380,11 +4349,7 @@
             <a:pPr lvl="1"/>
             <a:r>
               <a:rPr lang="zh-CN" altLang="en-US" dirty="0" smtClean="0"/>
-              <a:t>见上</a:t>
-            </a:r>
-            <a:r>
-              <a:rPr lang="zh-CN" altLang="en-US" dirty="0" smtClean="0"/>
-              <a:t>页</a:t>
+              <a:t>见上页</a:t>
             </a:r>
             <a:endParaRPr lang="en-US" altLang="zh-CN" dirty="0" smtClean="0"/>
           </a:p>
@@ -4392,11 +4357,7 @@
             <a:pPr lvl="1"/>
             <a:r>
               <a:rPr lang="zh-CN" altLang="en-US" dirty="0" smtClean="0"/>
-              <a:t>前</a:t>
-            </a:r>
-            <a:r>
-              <a:rPr lang="zh-CN" altLang="en-US" dirty="0" smtClean="0"/>
-              <a:t>端的语言，主要用于操作</a:t>
+              <a:t>前端的语言，主要用于操作</a:t>
             </a:r>
             <a:r>
               <a:rPr lang="en-US" altLang="zh-CN" dirty="0" smtClean="0"/>
@@ -4426,11 +4387,7 @@
             <a:pPr lvl="1"/>
             <a:r>
               <a:rPr lang="zh-CN" altLang="en-US" dirty="0" smtClean="0"/>
-              <a:t>所</a:t>
-            </a:r>
-            <a:r>
-              <a:rPr lang="zh-CN" altLang="en-US" dirty="0" smtClean="0"/>
-              <a:t>有主流浏览器都支持</a:t>
+              <a:t>所有主流浏览器都支持</a:t>
             </a:r>
             <a:endParaRPr lang="en-US" altLang="zh-CN" dirty="0" smtClean="0"/>
           </a:p>
@@ -4454,7 +4411,7 @@
             </a:r>
             <a:r>
               <a:rPr lang="en-US" altLang="zh-CN" dirty="0" smtClean="0"/>
-              <a:t>Opera</a:t>
+              <a:t>Safari, Opera</a:t>
             </a:r>
             <a:r>
               <a:rPr lang="zh-CN" altLang="en-US" dirty="0" smtClean="0"/>
@@ -4483,6 +4440,13 @@
   <p:clrMapOvr>
     <a:masterClrMapping/>
   </p:clrMapOvr>
+  <p:timing>
+    <p:tnLst>
+      <p:par>
+        <p:cTn id="1" dur="indefinite" restart="never" nodeType="tmRoot"/>
+      </p:par>
+    </p:tnLst>
+  </p:timing>
 </p:sld>
 </file>
 
@@ -4573,11 +4537,7 @@
             <a:pPr lvl="1"/>
             <a:r>
               <a:rPr lang="zh-CN" altLang="en-US" dirty="0" smtClean="0"/>
-              <a:t>对</a:t>
-            </a:r>
-            <a:r>
-              <a:rPr lang="zh-CN" altLang="en-US" dirty="0" smtClean="0"/>
-              <a:t>象</a:t>
+              <a:t>对象</a:t>
             </a:r>
             <a:endParaRPr lang="en-US" altLang="zh-CN" dirty="0" smtClean="0"/>
           </a:p>
@@ -4599,6 +4559,13 @@
   <p:clrMapOvr>
     <a:masterClrMapping/>
   </p:clrMapOvr>
+  <p:timing>
+    <p:tnLst>
+      <p:par>
+        <p:cTn id="1" dur="indefinite" restart="never" nodeType="tmRoot"/>
+      </p:par>
+    </p:tnLst>
+  </p:timing>
 </p:sld>
 </file>
 
@@ -4678,7 +4645,22 @@
             </a:r>
             <a:r>
               <a:rPr lang="zh-CN" altLang="en-US" dirty="0" smtClean="0"/>
-              <a:t>定义了一个局部变量</a:t>
+              <a:t>定义了一个局部变</a:t>
+            </a:r>
+            <a:r>
+              <a:rPr lang="zh-CN" altLang="en-US" dirty="0" smtClean="0"/>
+              <a:t>量</a:t>
+            </a:r>
+            <a:endParaRPr lang="en-US" altLang="zh-CN" dirty="0" smtClean="0"/>
+          </a:p>
+          <a:p>
+            <a:r>
+              <a:rPr lang="en-US" altLang="zh-CN" b="1" dirty="0" smtClean="0"/>
+              <a:t>var</a:t>
+            </a:r>
+            <a:r>
+              <a:rPr lang="en-US" altLang="zh-CN" dirty="0" smtClean="0"/>
+              <a:t>iable </a:t>
             </a:r>
             <a:endParaRPr lang="zh-CN" altLang="en-US" dirty="0"/>
           </a:p>
@@ -4689,6 +4671,13 @@
   <p:clrMapOvr>
     <a:masterClrMapping/>
   </p:clrMapOvr>
+  <p:timing>
+    <p:tnLst>
+      <p:par>
+        <p:cTn id="1" dur="indefinite" restart="never" nodeType="tmRoot"/>
+      </p:par>
+    </p:tnLst>
+  </p:timing>
 </p:sld>
 </file>
 
@@ -4748,8 +4737,12 @@
           <a:lstStyle/>
           <a:p>
             <a:r>
-              <a:rPr lang="en-US" altLang="zh-CN" dirty="0" smtClean="0"/>
-              <a:t>function </a:t>
+              <a:rPr lang="en-US" altLang="zh-CN" b="1" dirty="0" smtClean="0"/>
+              <a:t>function</a:t>
+            </a:r>
+            <a:r>
+              <a:rPr lang="en-US" altLang="zh-CN" dirty="0" smtClean="0"/>
+              <a:t> </a:t>
             </a:r>
             <a:r>
               <a:rPr lang="en-US" altLang="zh-CN" dirty="0" err="1" smtClean="0"/>
@@ -4761,6 +4754,19 @@
             </a:r>
           </a:p>
           <a:p>
+            <a:pPr lvl="1"/>
+            <a:r>
+              <a:rPr lang="en-US" altLang="zh-CN" dirty="0" smtClean="0"/>
+              <a:t>return “</a:t>
+            </a:r>
+            <a:r>
+              <a:rPr lang="en-US" altLang="zh-CN" dirty="0" err="1" smtClean="0"/>
+              <a:t>abc</a:t>
+            </a:r>
+            <a:r>
+              <a:rPr lang="en-US" altLang="zh-CN" dirty="0" smtClean="0"/>
+              <a:t>”;</a:t>
+            </a:r>
             <a:endParaRPr lang="en-US" altLang="zh-CN" dirty="0" smtClean="0"/>
           </a:p>
           <a:p>
@@ -4798,6 +4804,13 @@
   <p:clrMapOvr>
     <a:masterClrMapping/>
   </p:clrMapOvr>
+  <p:timing>
+    <p:tnLst>
+      <p:par>
+        <p:cTn id="1" dur="indefinite" restart="never" nodeType="tmRoot"/>
+      </p:par>
+    </p:tnLst>
+  </p:timing>
 </p:sld>
 </file>
 
@@ -4870,7 +4883,15 @@
             </a:r>
             <a:r>
               <a:rPr lang="en-US" altLang="zh-CN" dirty="0" smtClean="0"/>
-              <a:t> = function(arg1, arg2){</a:t>
+              <a:t> = </a:t>
+            </a:r>
+            <a:r>
+              <a:rPr lang="en-US" altLang="zh-CN" b="1" dirty="0" smtClean="0"/>
+              <a:t>function</a:t>
+            </a:r>
+            <a:r>
+              <a:rPr lang="en-US" altLang="zh-CN" dirty="0" smtClean="0"/>
+              <a:t>(arg1, arg2){</a:t>
             </a:r>
           </a:p>
           <a:p>
@@ -4885,11 +4906,7 @@
           <a:p>
             <a:r>
               <a:rPr lang="zh-CN" altLang="en-US" dirty="0" smtClean="0"/>
-              <a:t>使</a:t>
-            </a:r>
-            <a:r>
-              <a:rPr lang="zh-CN" altLang="en-US" dirty="0" smtClean="0"/>
-              <a:t>用：</a:t>
+              <a:t>使用：</a:t>
             </a:r>
             <a:endParaRPr lang="en-US" altLang="zh-CN" dirty="0" smtClean="0"/>
           </a:p>
@@ -4897,21 +4914,21 @@
             <a:pPr lvl="1"/>
             <a:r>
               <a:rPr lang="en-US" altLang="zh-CN" dirty="0" err="1" smtClean="0"/>
-              <a:t>func</a:t>
-            </a:r>
-            <a:r>
-              <a:rPr lang="en-US" altLang="zh-CN" dirty="0" smtClean="0"/>
-              <a:t>(p1, p2);</a:t>
-            </a:r>
-          </a:p>
-          <a:p>
-            <a:r>
-              <a:rPr lang="zh-CN" altLang="en-US" dirty="0" smtClean="0"/>
-              <a:t>函数</a:t>
-            </a:r>
-            <a:r>
-              <a:rPr lang="zh-CN" altLang="en-US" dirty="0" smtClean="0"/>
-              <a:t>式语言特征</a:t>
+              <a:t>func_name</a:t>
+            </a:r>
+            <a:r>
+              <a:rPr lang="en-US" altLang="zh-CN" dirty="0" smtClean="0"/>
+              <a:t>(p1</a:t>
+            </a:r>
+            <a:r>
+              <a:rPr lang="en-US" altLang="zh-CN" dirty="0" smtClean="0"/>
+              <a:t>, p2);</a:t>
+            </a:r>
+          </a:p>
+          <a:p>
+            <a:r>
+              <a:rPr lang="zh-CN" altLang="en-US" dirty="0" smtClean="0"/>
+              <a:t>函数式语言特征</a:t>
             </a:r>
             <a:endParaRPr lang="en-US" altLang="zh-CN" dirty="0" smtClean="0"/>
           </a:p>
@@ -4919,11 +4936,7 @@
             <a:pPr lvl="1"/>
             <a:r>
               <a:rPr lang="zh-CN" altLang="en-US" dirty="0" smtClean="0"/>
-              <a:t>函</a:t>
-            </a:r>
-            <a:r>
-              <a:rPr lang="zh-CN" altLang="en-US" dirty="0" smtClean="0"/>
-              <a:t>数可以赋值给变量</a:t>
+              <a:t>函数可以赋值给变量</a:t>
             </a:r>
             <a:endParaRPr lang="en-US" altLang="zh-CN" dirty="0" smtClean="0"/>
           </a:p>
@@ -4931,11 +4944,7 @@
             <a:pPr lvl="1"/>
             <a:r>
               <a:rPr lang="zh-CN" altLang="en-US" dirty="0" smtClean="0"/>
-              <a:t>函</a:t>
-            </a:r>
-            <a:r>
-              <a:rPr lang="zh-CN" altLang="en-US" dirty="0" smtClean="0"/>
-              <a:t>数可以作为参数传递</a:t>
+              <a:t>函数可以作为参数传递</a:t>
             </a:r>
             <a:endParaRPr lang="zh-CN" altLang="en-US" dirty="0"/>
           </a:p>
@@ -4946,6 +4955,13 @@
   <p:clrMapOvr>
     <a:masterClrMapping/>
   </p:clrMapOvr>
+  <p:timing>
+    <p:tnLst>
+      <p:par>
+        <p:cTn id="1" dur="indefinite" restart="never" nodeType="tmRoot"/>
+      </p:par>
+    </p:tnLst>
+  </p:timing>
 </p:sld>
 </file>
 
@@ -5026,21 +5042,13 @@
           <a:p>
             <a:r>
               <a:rPr lang="en-US" altLang="zh-CN" dirty="0" smtClean="0"/>
-              <a:t> </a:t>
-            </a:r>
-            <a:r>
-              <a:rPr lang="en-US" altLang="zh-CN" dirty="0" smtClean="0"/>
-              <a:t>name: “ZT”,</a:t>
-            </a:r>
-          </a:p>
-          <a:p>
-            <a:r>
-              <a:rPr lang="en-US" altLang="zh-CN" dirty="0" smtClean="0"/>
-              <a:t> </a:t>
-            </a:r>
-            <a:r>
-              <a:rPr lang="en-US" altLang="zh-CN" dirty="0" smtClean="0"/>
-              <a:t>gender: “male”,</a:t>
+              <a:t> name: “ZT”,</a:t>
+            </a:r>
+          </a:p>
+          <a:p>
+            <a:r>
+              <a:rPr lang="en-US" altLang="zh-CN" dirty="0" smtClean="0"/>
+              <a:t> gender: “male”,</a:t>
             </a:r>
           </a:p>
           <a:p>
@@ -5060,11 +5068,7 @@
           <a:p>
             <a:r>
               <a:rPr lang="en-US" altLang="zh-CN" dirty="0" smtClean="0"/>
-              <a:t> </a:t>
-            </a:r>
-            <a:r>
-              <a:rPr lang="en-US" altLang="zh-CN" dirty="0" smtClean="0"/>
-              <a:t>  return </a:t>
+              <a:t>   return </a:t>
             </a:r>
             <a:r>
               <a:rPr lang="en-US" altLang="zh-CN" dirty="0" err="1" smtClean="0"/>
@@ -5078,21 +5082,13 @@
           <a:p>
             <a:r>
               <a:rPr lang="en-US" altLang="zh-CN" dirty="0" smtClean="0"/>
-              <a:t> </a:t>
-            </a:r>
-            <a:r>
-              <a:rPr lang="en-US" altLang="zh-CN" dirty="0" smtClean="0"/>
-              <a:t> },</a:t>
-            </a:r>
-          </a:p>
-          <a:p>
-            <a:r>
-              <a:rPr lang="en-US" altLang="zh-CN" dirty="0" smtClean="0"/>
-              <a:t> </a:t>
-            </a:r>
-            <a:r>
-              <a:rPr lang="en-US" altLang="zh-CN" dirty="0" smtClean="0"/>
-              <a:t> age: 30</a:t>
+              <a:t>  },</a:t>
+            </a:r>
+          </a:p>
+          <a:p>
+            <a:r>
+              <a:rPr lang="en-US" altLang="zh-CN" dirty="0" smtClean="0"/>
+              <a:t>  age: 30</a:t>
             </a:r>
           </a:p>
           <a:p>
@@ -5104,11 +5100,7 @@
           <a:p>
             <a:r>
               <a:rPr lang="zh-CN" altLang="en-US" dirty="0" smtClean="0"/>
-              <a:t>使</a:t>
-            </a:r>
-            <a:r>
-              <a:rPr lang="zh-CN" altLang="en-US" dirty="0" smtClean="0"/>
-              <a:t>用：</a:t>
+              <a:t>使用：</a:t>
             </a:r>
             <a:endParaRPr lang="en-US" altLang="zh-CN" dirty="0" smtClean="0"/>
           </a:p>
@@ -5144,6 +5136,13 @@
   <p:clrMapOvr>
     <a:masterClrMapping/>
   </p:clrMapOvr>
+  <p:timing>
+    <p:tnLst>
+      <p:par>
+        <p:cTn id="1" dur="indefinite" restart="never" nodeType="tmRoot"/>
+      </p:par>
+    </p:tnLst>
+  </p:timing>
 </p:sld>
 </file>
 
@@ -5227,7 +5226,6 @@
               <a:rPr lang="en-US" altLang="zh-CN" dirty="0" smtClean="0"/>
               <a:t>http://jquery.com/</a:t>
             </a:r>
-            <a:endParaRPr lang="en-US" altLang="zh-CN" dirty="0" smtClean="0"/>
           </a:p>
           <a:p>
             <a:r>
@@ -5296,6 +5294,13 @@
   <p:clrMapOvr>
     <a:masterClrMapping/>
   </p:clrMapOvr>
+  <p:timing>
+    <p:tnLst>
+      <p:par>
+        <p:cTn id="1" dur="indefinite" restart="never" nodeType="tmRoot"/>
+      </p:par>
+    </p:tnLst>
+  </p:timing>
 </p:sld>
 </file>
 

--- a/lesson14/Javascript and jQuery.pptx
+++ b/lesson14/Javascript and jQuery.pptx
@@ -3367,11 +3367,11 @@
           <a:p>
             <a:pPr lvl="1"/>
             <a:r>
-              <a:rPr lang="en-US" altLang="zh-CN" smtClean="0"/>
+              <a:rPr lang="en-US" altLang="zh-CN" dirty="0" smtClean="0"/>
               <a:t>$(“#</a:t>
             </a:r>
             <a:r>
-              <a:rPr lang="en-US" altLang="zh-CN" smtClean="0"/>
+              <a:rPr lang="en-US" altLang="zh-CN" dirty="0" smtClean="0"/>
               <a:t>id”)</a:t>
             </a:r>
             <a:endParaRPr lang="en-US" altLang="zh-CN" dirty="0" smtClean="0"/>
@@ -3720,6 +3720,13 @@
   <p:clrMapOvr>
     <a:masterClrMapping/>
   </p:clrMapOvr>
+  <p:timing>
+    <p:tnLst>
+      <p:par>
+        <p:cTn id="1" dur="indefinite" restart="never" nodeType="tmRoot"/>
+      </p:par>
+    </p:tnLst>
+  </p:timing>
 </p:sld>
 </file>
 
@@ -3835,6 +3842,13 @@
   <p:clrMapOvr>
     <a:masterClrMapping/>
   </p:clrMapOvr>
+  <p:timing>
+    <p:tnLst>
+      <p:par>
+        <p:cTn id="1" dur="indefinite" restart="never" nodeType="tmRoot"/>
+      </p:par>
+    </p:tnLst>
+  </p:timing>
 </p:sld>
 </file>
 
@@ -3994,6 +4008,13 @@
   <p:clrMapOvr>
     <a:masterClrMapping/>
   </p:clrMapOvr>
+  <p:timing>
+    <p:tnLst>
+      <p:par>
+        <p:cTn id="1" dur="indefinite" restart="never" nodeType="tmRoot"/>
+      </p:par>
+    </p:tnLst>
+  </p:timing>
 </p:sld>
 </file>
 
@@ -4085,7 +4106,15 @@
             </a:r>
             <a:r>
               <a:rPr lang="zh-CN" altLang="en-US" dirty="0" smtClean="0"/>
-              <a:t>的文本加粗，离开后恢复</a:t>
+              <a:t>的文</a:t>
+            </a:r>
+            <a:r>
+              <a:rPr lang="zh-CN" altLang="en-US" dirty="0" smtClean="0"/>
+              <a:t>本变为红色，</a:t>
+            </a:r>
+            <a:r>
+              <a:rPr lang="zh-CN" altLang="en-US" dirty="0" smtClean="0"/>
+              <a:t>离开后恢复</a:t>
             </a:r>
             <a:endParaRPr lang="en-US" altLang="zh-CN" dirty="0" smtClean="0"/>
           </a:p>
@@ -4167,6 +4196,13 @@
   <p:clrMapOvr>
     <a:masterClrMapping/>
   </p:clrMapOvr>
+  <p:timing>
+    <p:tnLst>
+      <p:par>
+        <p:cTn id="1" dur="indefinite" restart="never" nodeType="tmRoot"/>
+      </p:par>
+    </p:tnLst>
+  </p:timing>
 </p:sld>
 </file>
 
